--- a/Mmi2x2/image/image.pptx
+++ b/Mmi2x2/image/image.pptx
@@ -259,7 +259,7 @@
           <a:p>
             <a:fld id="{44EA048A-2452-4573-944D-152AB9E322CF}" type="datetimeFigureOut">
               <a:rPr lang="zh-TW" altLang="en-US" smtClean="0"/>
-              <a:t>2025/3/22</a:t>
+              <a:t>2025/4/1</a:t>
             </a:fld>
             <a:endParaRPr lang="zh-TW" altLang="en-US"/>
           </a:p>
@@ -457,7 +457,7 @@
           <a:p>
             <a:fld id="{44EA048A-2452-4573-944D-152AB9E322CF}" type="datetimeFigureOut">
               <a:rPr lang="zh-TW" altLang="en-US" smtClean="0"/>
-              <a:t>2025/3/22</a:t>
+              <a:t>2025/4/1</a:t>
             </a:fld>
             <a:endParaRPr lang="zh-TW" altLang="en-US"/>
           </a:p>
@@ -665,7 +665,7 @@
           <a:p>
             <a:fld id="{44EA048A-2452-4573-944D-152AB9E322CF}" type="datetimeFigureOut">
               <a:rPr lang="zh-TW" altLang="en-US" smtClean="0"/>
-              <a:t>2025/3/22</a:t>
+              <a:t>2025/4/1</a:t>
             </a:fld>
             <a:endParaRPr lang="zh-TW" altLang="en-US"/>
           </a:p>
@@ -863,7 +863,7 @@
           <a:p>
             <a:fld id="{44EA048A-2452-4573-944D-152AB9E322CF}" type="datetimeFigureOut">
               <a:rPr lang="zh-TW" altLang="en-US" smtClean="0"/>
-              <a:t>2025/3/22</a:t>
+              <a:t>2025/4/1</a:t>
             </a:fld>
             <a:endParaRPr lang="zh-TW" altLang="en-US"/>
           </a:p>
@@ -1138,7 +1138,7 @@
           <a:p>
             <a:fld id="{44EA048A-2452-4573-944D-152AB9E322CF}" type="datetimeFigureOut">
               <a:rPr lang="zh-TW" altLang="en-US" smtClean="0"/>
-              <a:t>2025/3/22</a:t>
+              <a:t>2025/4/1</a:t>
             </a:fld>
             <a:endParaRPr lang="zh-TW" altLang="en-US"/>
           </a:p>
@@ -1403,7 +1403,7 @@
           <a:p>
             <a:fld id="{44EA048A-2452-4573-944D-152AB9E322CF}" type="datetimeFigureOut">
               <a:rPr lang="zh-TW" altLang="en-US" smtClean="0"/>
-              <a:t>2025/3/22</a:t>
+              <a:t>2025/4/1</a:t>
             </a:fld>
             <a:endParaRPr lang="zh-TW" altLang="en-US"/>
           </a:p>
@@ -1815,7 +1815,7 @@
           <a:p>
             <a:fld id="{44EA048A-2452-4573-944D-152AB9E322CF}" type="datetimeFigureOut">
               <a:rPr lang="zh-TW" altLang="en-US" smtClean="0"/>
-              <a:t>2025/3/22</a:t>
+              <a:t>2025/4/1</a:t>
             </a:fld>
             <a:endParaRPr lang="zh-TW" altLang="en-US"/>
           </a:p>
@@ -1956,7 +1956,7 @@
           <a:p>
             <a:fld id="{44EA048A-2452-4573-944D-152AB9E322CF}" type="datetimeFigureOut">
               <a:rPr lang="zh-TW" altLang="en-US" smtClean="0"/>
-              <a:t>2025/3/22</a:t>
+              <a:t>2025/4/1</a:t>
             </a:fld>
             <a:endParaRPr lang="zh-TW" altLang="en-US"/>
           </a:p>
@@ -2069,7 +2069,7 @@
           <a:p>
             <a:fld id="{44EA048A-2452-4573-944D-152AB9E322CF}" type="datetimeFigureOut">
               <a:rPr lang="zh-TW" altLang="en-US" smtClean="0"/>
-              <a:t>2025/3/22</a:t>
+              <a:t>2025/4/1</a:t>
             </a:fld>
             <a:endParaRPr lang="zh-TW" altLang="en-US"/>
           </a:p>
@@ -2380,7 +2380,7 @@
           <a:p>
             <a:fld id="{44EA048A-2452-4573-944D-152AB9E322CF}" type="datetimeFigureOut">
               <a:rPr lang="zh-TW" altLang="en-US" smtClean="0"/>
-              <a:t>2025/3/22</a:t>
+              <a:t>2025/4/1</a:t>
             </a:fld>
             <a:endParaRPr lang="zh-TW" altLang="en-US"/>
           </a:p>
@@ -2668,7 +2668,7 @@
           <a:p>
             <a:fld id="{44EA048A-2452-4573-944D-152AB9E322CF}" type="datetimeFigureOut">
               <a:rPr lang="zh-TW" altLang="en-US" smtClean="0"/>
-              <a:t>2025/3/22</a:t>
+              <a:t>2025/4/1</a:t>
             </a:fld>
             <a:endParaRPr lang="zh-TW" altLang="en-US"/>
           </a:p>
@@ -2909,7 +2909,7 @@
           <a:p>
             <a:fld id="{44EA048A-2452-4573-944D-152AB9E322CF}" type="datetimeFigureOut">
               <a:rPr lang="zh-TW" altLang="en-US" smtClean="0"/>
-              <a:t>2025/3/22</a:t>
+              <a:t>2025/4/1</a:t>
             </a:fld>
             <a:endParaRPr lang="zh-TW" altLang="en-US"/>
           </a:p>
@@ -3760,88 +3760,6 @@
           </a:p>
         </p:txBody>
       </p:sp>
-      <p:cxnSp>
-        <p:nvCxnSpPr>
-          <p:cNvPr id="15" name="直線單箭頭接點 14">
-            <a:extLst>
-              <a:ext uri="{FF2B5EF4-FFF2-40B4-BE49-F238E27FC236}">
-                <a16:creationId xmlns:a16="http://schemas.microsoft.com/office/drawing/2014/main" id="{0426C671-8B37-410D-B82E-C50E842A3BD1}"/>
-              </a:ext>
-            </a:extLst>
-          </p:cNvPr>
-          <p:cNvCxnSpPr/>
-          <p:nvPr/>
-        </p:nvCxnSpPr>
-        <p:spPr>
-          <a:xfrm>
-            <a:off x="1079355" y="3815789"/>
-            <a:ext cx="360000" cy="0"/>
-          </a:xfrm>
-          <a:prstGeom prst="straightConnector1">
-            <a:avLst/>
-          </a:prstGeom>
-          <a:ln w="38100">
-            <a:solidFill>
-              <a:schemeClr val="tx1"/>
-            </a:solidFill>
-            <a:tailEnd type="triangle"/>
-          </a:ln>
-        </p:spPr>
-        <p:style>
-          <a:lnRef idx="1">
-            <a:schemeClr val="accent1"/>
-          </a:lnRef>
-          <a:fillRef idx="0">
-            <a:schemeClr val="accent1"/>
-          </a:fillRef>
-          <a:effectRef idx="0">
-            <a:schemeClr val="accent1"/>
-          </a:effectRef>
-          <a:fontRef idx="minor">
-            <a:schemeClr val="tx1"/>
-          </a:fontRef>
-        </p:style>
-      </p:cxnSp>
-      <p:sp>
-        <p:nvSpPr>
-          <p:cNvPr id="16" name="文字方塊 15">
-            <a:extLst>
-              <a:ext uri="{FF2B5EF4-FFF2-40B4-BE49-F238E27FC236}">
-                <a16:creationId xmlns:a16="http://schemas.microsoft.com/office/drawing/2014/main" id="{89843544-6F64-4B2B-8CA7-9F7A22D94607}"/>
-              </a:ext>
-            </a:extLst>
-          </p:cNvPr>
-          <p:cNvSpPr txBox="1"/>
-          <p:nvPr/>
-        </p:nvSpPr>
-        <p:spPr>
-          <a:xfrm>
-            <a:off x="1402463" y="3608441"/>
-            <a:ext cx="437940" cy="369332"/>
-          </a:xfrm>
-          <a:prstGeom prst="rect">
-            <a:avLst/>
-          </a:prstGeom>
-          <a:noFill/>
-        </p:spPr>
-        <p:txBody>
-          <a:bodyPr wrap="none" rtlCol="0">
-            <a:spAutoFit/>
-          </a:bodyPr>
-          <a:lstStyle/>
-          <a:p>
-            <a:r>
-              <a:rPr lang="en-US" altLang="zh-TW" dirty="0" err="1">
-                <a:latin typeface="Consolas" panose="020B0609020204030204" pitchFamily="49" charset="0"/>
-              </a:rPr>
-              <a:t>og</a:t>
-            </a:r>
-            <a:endParaRPr lang="zh-TW" altLang="en-US" dirty="0">
-              <a:latin typeface="Consolas" panose="020B0609020204030204" pitchFamily="49" charset="0"/>
-            </a:endParaRPr>
-          </a:p>
-        </p:txBody>
-      </p:sp>
     </p:spTree>
     <p:extLst>
       <p:ext uri="{BB962C8B-B14F-4D97-AF65-F5344CB8AC3E}">
